--- a/03_public/lecture/data_public_msc.pptx
+++ b/03_public/lecture/data_public_msc.pptx
@@ -5,7 +5,7 @@
     <p:sldMasterId id="2147483648" r:id="rId1"/>
   </p:sldMasterIdLst>
   <p:notesMasterIdLst>
-    <p:notesMasterId r:id="rId23"/>
+    <p:notesMasterId r:id="rId27"/>
   </p:notesMasterIdLst>
   <p:sldIdLst>
     <p:sldId id="256" r:id="rId2"/>
@@ -17,18 +17,22 @@
     <p:sldId id="262" r:id="rId8"/>
     <p:sldId id="263" r:id="rId9"/>
     <p:sldId id="264" r:id="rId10"/>
-    <p:sldId id="265" r:id="rId11"/>
-    <p:sldId id="266" r:id="rId12"/>
-    <p:sldId id="267" r:id="rId13"/>
-    <p:sldId id="268" r:id="rId14"/>
-    <p:sldId id="269" r:id="rId15"/>
-    <p:sldId id="270" r:id="rId16"/>
-    <p:sldId id="271" r:id="rId17"/>
-    <p:sldId id="272" r:id="rId18"/>
-    <p:sldId id="273" r:id="rId19"/>
-    <p:sldId id="274" r:id="rId20"/>
-    <p:sldId id="275" r:id="rId21"/>
-    <p:sldId id="276" r:id="rId22"/>
+    <p:sldId id="277" r:id="rId11"/>
+    <p:sldId id="278" r:id="rId12"/>
+    <p:sldId id="265" r:id="rId13"/>
+    <p:sldId id="266" r:id="rId14"/>
+    <p:sldId id="267" r:id="rId15"/>
+    <p:sldId id="268" r:id="rId16"/>
+    <p:sldId id="269" r:id="rId17"/>
+    <p:sldId id="270" r:id="rId18"/>
+    <p:sldId id="271" r:id="rId19"/>
+    <p:sldId id="272" r:id="rId20"/>
+    <p:sldId id="273" r:id="rId21"/>
+    <p:sldId id="274" r:id="rId22"/>
+    <p:sldId id="275" r:id="rId23"/>
+    <p:sldId id="284" r:id="rId24"/>
+    <p:sldId id="283" r:id="rId25"/>
+    <p:sldId id="276" r:id="rId26"/>
   </p:sldIdLst>
   <p:sldSz cx="9144000" cy="5715000" type="screen16x10"/>
   <p:notesSz cx="6858000" cy="9144000"/>
@@ -330,6 +334,11 @@
       </a:defRPr>
     </a:lvl9pPr>
   </p:defaultTextStyle>
+  <p:extLst>
+    <p:ext uri="{EFAFB233-063F-42B5-8137-9DF3F51BA10A}">
+      <p15:sldGuideLst xmlns:p15="http://schemas.microsoft.com/office/powerpoint/2012/main"/>
+    </p:ext>
+  </p:extLst>
 </p:presentation>
 </file>
 
@@ -616,7 +625,7 @@
           </a:ln>
           <a:extLst>
             <a:ext uri="{C572A759-6A51-4108-AA02-DFA0A04FC94B}">
-              <ma14:wrappingTextBoxFlag xmlns:ma14="http://schemas.microsoft.com/office/mac/drawingml/2011/main" xmlns:a14="http://schemas.microsoft.com/office/drawing/2010/main" xmlns:m="http://schemas.openxmlformats.org/officeDocument/2006/math" xmlns="" val="1"/>
+              <ma14:wrappingTextBoxFlag xmlns="" xmlns:m="http://schemas.openxmlformats.org/officeDocument/2006/math" xmlns:a14="http://schemas.microsoft.com/office/drawing/2010/main" xmlns:ma14="http://schemas.microsoft.com/office/mac/drawingml/2011/main" val="1"/>
             </a:ext>
           </a:extLst>
         </p:spPr>
@@ -653,7 +662,7 @@
           </a:ln>
           <a:extLst>
             <a:ext uri="{C572A759-6A51-4108-AA02-DFA0A04FC94B}">
-              <ma14:wrappingTextBoxFlag xmlns:ma14="http://schemas.microsoft.com/office/mac/drawingml/2011/main" xmlns:a14="http://schemas.microsoft.com/office/drawing/2010/main" xmlns:m="http://schemas.openxmlformats.org/officeDocument/2006/math" xmlns="" val="1"/>
+              <ma14:wrappingTextBoxFlag xmlns="" xmlns:m="http://schemas.openxmlformats.org/officeDocument/2006/math" xmlns:a14="http://schemas.microsoft.com/office/drawing/2010/main" xmlns:ma14="http://schemas.microsoft.com/office/mac/drawingml/2011/main" val="1"/>
             </a:ext>
           </a:extLst>
         </p:spPr>
@@ -1661,21 +1670,6 @@
             </a:r>
             <a:r>
               <a:rPr sz="1900" b="0" dirty="0"/>
-              <a:t>/crypto04</a:t>
-            </a:r>
-            <a:br>
-              <a:rPr sz="1900" b="0" dirty="0"/>
-            </a:br>
-            <a:r>
-              <a:rPr sz="1900" b="0" dirty="0"/>
-              <a:t>http://</a:t>
-            </a:r>
-            <a:r>
-              <a:rPr sz="1900" b="0" dirty="0" err="1"/>
-              <a:t>asecuritysite.com</a:t>
-            </a:r>
-            <a:r>
-              <a:rPr sz="1900" b="0" dirty="0"/>
               <a:t>/encryption</a:t>
             </a:r>
             <a:br>
@@ -1740,6 +1734,827 @@
       </p:grpSpPr>
       <p:sp>
         <p:nvSpPr>
+          <p:cNvPr id="107" name="RSA"/>
+          <p:cNvSpPr txBox="1">
+            <a:spLocks noGrp="1"/>
+          </p:cNvSpPr>
+          <p:nvPr>
+            <p:ph type="title" idx="4294967295"/>
+          </p:nvPr>
+        </p:nvSpPr>
+        <p:spPr>
+          <a:xfrm>
+            <a:off x="0" y="285749"/>
+            <a:ext cx="7886700" cy="649291"/>
+          </a:xfrm>
+          <a:prstGeom prst="rect">
+            <a:avLst/>
+          </a:prstGeom>
+        </p:spPr>
+        <p:txBody>
+          <a:bodyPr lIns="45718" tIns="45718" rIns="45718" bIns="45718"/>
+          <a:lstStyle>
+            <a:lvl1pPr defTabSz="749808">
+              <a:lnSpc>
+                <a:spcPct val="100000"/>
+              </a:lnSpc>
+              <a:defRPr sz="3600">
+                <a:latin typeface="+mj-lt"/>
+                <a:ea typeface="+mj-ea"/>
+                <a:cs typeface="+mj-cs"/>
+                <a:sym typeface="Calibri"/>
+              </a:defRPr>
+            </a:lvl1pPr>
+          </a:lstStyle>
+          <a:p>
+            <a:r>
+              <a:t>RSA</a:t>
+            </a:r>
+          </a:p>
+        </p:txBody>
+      </p:sp>
+      <p:pic>
+        <p:nvPicPr>
+          <p:cNvPr id="108" name="image.png" descr="image.png"/>
+          <p:cNvPicPr>
+            <a:picLocks noChangeAspect="1"/>
+          </p:cNvPicPr>
+          <p:nvPr/>
+        </p:nvPicPr>
+        <p:blipFill>
+          <a:blip r:embed="rId2"/>
+          <a:stretch>
+            <a:fillRect/>
+          </a:stretch>
+        </p:blipFill>
+        <p:spPr>
+          <a:xfrm>
+            <a:off x="-23813" y="2713035"/>
+            <a:ext cx="3352802" cy="2339978"/>
+          </a:xfrm>
+          <a:prstGeom prst="rect">
+            <a:avLst/>
+          </a:prstGeom>
+          <a:ln w="12700">
+            <a:miter lim="400000"/>
+          </a:ln>
+        </p:spPr>
+      </p:pic>
+      <p:pic>
+        <p:nvPicPr>
+          <p:cNvPr id="109" name="Picture 2" descr="Picture 2"/>
+          <p:cNvPicPr>
+            <a:picLocks noChangeAspect="1"/>
+          </p:cNvPicPr>
+          <p:nvPr/>
+        </p:nvPicPr>
+        <p:blipFill>
+          <a:blip r:embed="rId3"/>
+          <a:stretch>
+            <a:fillRect/>
+          </a:stretch>
+        </p:blipFill>
+        <p:spPr>
+          <a:xfrm>
+            <a:off x="5815233" y="400495"/>
+            <a:ext cx="3140033" cy="5314505"/>
+          </a:xfrm>
+          <a:prstGeom prst="rect">
+            <a:avLst/>
+          </a:prstGeom>
+          <a:ln w="12700">
+            <a:miter lim="400000"/>
+          </a:ln>
+        </p:spPr>
+      </p:pic>
+      <p:pic>
+        <p:nvPicPr>
+          <p:cNvPr id="110" name="Picture 4" descr="Picture 4"/>
+          <p:cNvPicPr>
+            <a:picLocks noChangeAspect="1"/>
+          </p:cNvPicPr>
+          <p:nvPr/>
+        </p:nvPicPr>
+        <p:blipFill>
+          <a:blip r:embed="rId4"/>
+          <a:stretch>
+            <a:fillRect/>
+          </a:stretch>
+        </p:blipFill>
+        <p:spPr>
+          <a:xfrm>
+            <a:off x="39687" y="2340864"/>
+            <a:ext cx="5600307" cy="3308289"/>
+          </a:xfrm>
+          <a:prstGeom prst="rect">
+            <a:avLst/>
+          </a:prstGeom>
+          <a:ln w="12700">
+            <a:miter lim="400000"/>
+          </a:ln>
+        </p:spPr>
+      </p:pic>
+      <p:sp>
+        <p:nvSpPr>
+          <p:cNvPr id="111" name="TextBox 5"/>
+          <p:cNvSpPr txBox="1"/>
+          <p:nvPr/>
+        </p:nvSpPr>
+        <p:spPr>
+          <a:xfrm>
+            <a:off x="1312735" y="238684"/>
+            <a:ext cx="4032505" cy="370837"/>
+          </a:xfrm>
+          <a:prstGeom prst="rect">
+            <a:avLst/>
+          </a:prstGeom>
+          <a:ln w="12700">
+            <a:miter lim="400000"/>
+          </a:ln>
+          <a:extLst>
+            <a:ext uri="{C572A759-6A51-4108-AA02-DFA0A04FC94B}">
+              <ma14:wrappingTextBoxFlag xmlns:ma14="http://schemas.microsoft.com/office/mac/drawingml/2011/main" xmlns:a14="http://schemas.microsoft.com/office/drawing/2010/main" xmlns:m="http://schemas.openxmlformats.org/officeDocument/2006/math" xmlns="" val="1"/>
+            </a:ext>
+          </a:extLst>
+        </p:spPr>
+        <p:txBody>
+          <a:bodyPr lIns="45718" tIns="45718" rIns="45718" bIns="45718">
+            <a:spAutoFit/>
+          </a:bodyPr>
+          <a:lstStyle/>
+          <a:p>
+            <a:r>
+              <a:t>openssl genrsa -out private.pem 1024</a:t>
+            </a:r>
+          </a:p>
+        </p:txBody>
+      </p:sp>
+      <p:sp>
+        <p:nvSpPr>
+          <p:cNvPr id="112" name="TextBox 16"/>
+          <p:cNvSpPr txBox="1"/>
+          <p:nvPr/>
+        </p:nvSpPr>
+        <p:spPr>
+          <a:xfrm>
+            <a:off x="210311" y="1932233"/>
+            <a:ext cx="4032505" cy="370837"/>
+          </a:xfrm>
+          <a:prstGeom prst="rect">
+            <a:avLst/>
+          </a:prstGeom>
+          <a:ln w="12700">
+            <a:miter lim="400000"/>
+          </a:ln>
+          <a:extLst>
+            <a:ext uri="{C572A759-6A51-4108-AA02-DFA0A04FC94B}">
+              <ma14:wrappingTextBoxFlag xmlns:ma14="http://schemas.microsoft.com/office/mac/drawingml/2011/main" xmlns:a14="http://schemas.microsoft.com/office/drawing/2010/main" xmlns:m="http://schemas.openxmlformats.org/officeDocument/2006/math" xmlns="" val="1"/>
+            </a:ext>
+          </a:extLst>
+        </p:spPr>
+        <p:txBody>
+          <a:bodyPr lIns="45718" tIns="45718" rIns="45718" bIns="45718">
+            <a:spAutoFit/>
+          </a:bodyPr>
+          <a:lstStyle/>
+          <a:p>
+            <a:r>
+              <a:t>cat private.pem</a:t>
+            </a:r>
+          </a:p>
+        </p:txBody>
+      </p:sp>
+      <p:sp>
+        <p:nvSpPr>
+          <p:cNvPr id="113" name="TextBox 17"/>
+          <p:cNvSpPr txBox="1"/>
+          <p:nvPr/>
+        </p:nvSpPr>
+        <p:spPr>
+          <a:xfrm>
+            <a:off x="5639992" y="31167"/>
+            <a:ext cx="4032505" cy="370837"/>
+          </a:xfrm>
+          <a:prstGeom prst="rect">
+            <a:avLst/>
+          </a:prstGeom>
+          <a:ln w="12700">
+            <a:miter lim="400000"/>
+          </a:ln>
+          <a:extLst>
+            <a:ext uri="{C572A759-6A51-4108-AA02-DFA0A04FC94B}">
+              <ma14:wrappingTextBoxFlag xmlns:ma14="http://schemas.microsoft.com/office/mac/drawingml/2011/main" xmlns:a14="http://schemas.microsoft.com/office/drawing/2010/main" xmlns:m="http://schemas.openxmlformats.org/officeDocument/2006/math" xmlns="" val="1"/>
+            </a:ext>
+          </a:extLst>
+        </p:spPr>
+        <p:txBody>
+          <a:bodyPr lIns="45718" tIns="45718" rIns="45718" bIns="45718">
+            <a:spAutoFit/>
+          </a:bodyPr>
+          <a:lstStyle/>
+          <a:p>
+            <a:r>
+              <a:t>openssl rsa -in private.pem -text </a:t>
+            </a:r>
+          </a:p>
+        </p:txBody>
+      </p:sp>
+      <p:sp>
+        <p:nvSpPr>
+          <p:cNvPr id="114" name="Rectangle 7"/>
+          <p:cNvSpPr txBox="1"/>
+          <p:nvPr/>
+        </p:nvSpPr>
+        <p:spPr>
+          <a:xfrm>
+            <a:off x="1581805" y="689689"/>
+            <a:ext cx="2260549" cy="497841"/>
+          </a:xfrm>
+          <a:prstGeom prst="rect">
+            <a:avLst/>
+          </a:prstGeom>
+          <a:ln w="12700">
+            <a:miter lim="400000"/>
+          </a:ln>
+          <a:extLst>
+            <a:ext uri="{C572A759-6A51-4108-AA02-DFA0A04FC94B}">
+              <ma14:wrappingTextBoxFlag xmlns:ma14="http://schemas.microsoft.com/office/mac/drawingml/2011/main" xmlns:a14="http://schemas.microsoft.com/office/drawing/2010/main" xmlns:m="http://schemas.openxmlformats.org/officeDocument/2006/math" xmlns="" val="1"/>
+            </a:ext>
+          </a:extLst>
+        </p:spPr>
+        <p:txBody>
+          <a:bodyPr wrap="none" lIns="45719" rIns="45719">
+            <a:spAutoFit/>
+          </a:bodyPr>
+          <a:lstStyle/>
+          <a:p>
+            <a:pPr defTabSz="786383">
+              <a:spcBef>
+                <a:spcPts val="600"/>
+              </a:spcBef>
+              <a:defRPr sz="2700"/>
+            </a:pPr>
+            <a:r>
+              <a:t>C = M</a:t>
+            </a:r>
+            <a:r>
+              <a:rPr baseline="29673"/>
+              <a:t>e</a:t>
+            </a:r>
+            <a:r>
+              <a:t> mod N</a:t>
+            </a:r>
+          </a:p>
+        </p:txBody>
+      </p:sp>
+      <p:sp>
+        <p:nvSpPr>
+          <p:cNvPr id="115" name="Rectangle 20"/>
+          <p:cNvSpPr txBox="1"/>
+          <p:nvPr/>
+        </p:nvSpPr>
+        <p:spPr>
+          <a:xfrm>
+            <a:off x="1581805" y="1179720"/>
+            <a:ext cx="2222542" cy="497841"/>
+          </a:xfrm>
+          <a:prstGeom prst="rect">
+            <a:avLst/>
+          </a:prstGeom>
+          <a:ln w="12700">
+            <a:miter lim="400000"/>
+          </a:ln>
+          <a:extLst>
+            <a:ext uri="{C572A759-6A51-4108-AA02-DFA0A04FC94B}">
+              <ma14:wrappingTextBoxFlag xmlns:ma14="http://schemas.microsoft.com/office/mac/drawingml/2011/main" xmlns:a14="http://schemas.microsoft.com/office/drawing/2010/main" xmlns:m="http://schemas.openxmlformats.org/officeDocument/2006/math" xmlns="" val="1"/>
+            </a:ext>
+          </a:extLst>
+        </p:spPr>
+        <p:txBody>
+          <a:bodyPr wrap="none" lIns="45719" rIns="45719">
+            <a:spAutoFit/>
+          </a:bodyPr>
+          <a:lstStyle/>
+          <a:p>
+            <a:pPr defTabSz="786383">
+              <a:spcBef>
+                <a:spcPts val="600"/>
+              </a:spcBef>
+              <a:defRPr sz="2700"/>
+            </a:pPr>
+            <a:r>
+              <a:t>D = C</a:t>
+            </a:r>
+            <a:r>
+              <a:rPr baseline="29673"/>
+              <a:t>d</a:t>
+            </a:r>
+            <a:r>
+              <a:t> mod N</a:t>
+            </a:r>
+          </a:p>
+        </p:txBody>
+      </p:sp>
+      <p:sp>
+        <p:nvSpPr>
+          <p:cNvPr id="116" name="Straight Arrow Connector 9"/>
+          <p:cNvSpPr/>
+          <p:nvPr/>
+        </p:nvSpPr>
+        <p:spPr>
+          <a:xfrm flipV="1">
+            <a:off x="3943350" y="689688"/>
+            <a:ext cx="1871884" cy="245351"/>
+          </a:xfrm>
+          <a:prstGeom prst="line">
+            <a:avLst/>
+          </a:prstGeom>
+          <a:ln w="25400">
+            <a:solidFill>
+              <a:schemeClr val="accent1"/>
+            </a:solidFill>
+            <a:tailEnd type="triangle"/>
+          </a:ln>
+        </p:spPr>
+        <p:txBody>
+          <a:bodyPr lIns="45718" tIns="45718" rIns="45718" bIns="45718"/>
+          <a:lstStyle/>
+          <a:p>
+            <a:endParaRPr/>
+          </a:p>
+        </p:txBody>
+      </p:sp>
+      <p:sp>
+        <p:nvSpPr>
+          <p:cNvPr id="117" name="Straight Arrow Connector 11"/>
+          <p:cNvSpPr/>
+          <p:nvPr/>
+        </p:nvSpPr>
+        <p:spPr>
+          <a:xfrm>
+            <a:off x="2762577" y="1037394"/>
+            <a:ext cx="3052657" cy="1157320"/>
+          </a:xfrm>
+          <a:prstGeom prst="line">
+            <a:avLst/>
+          </a:prstGeom>
+          <a:ln w="25400">
+            <a:solidFill>
+              <a:schemeClr val="accent1"/>
+            </a:solidFill>
+            <a:tailEnd type="triangle"/>
+          </a:ln>
+        </p:spPr>
+        <p:txBody>
+          <a:bodyPr lIns="45718" tIns="45718" rIns="45718" bIns="45718"/>
+          <a:lstStyle/>
+          <a:p>
+            <a:endParaRPr/>
+          </a:p>
+        </p:txBody>
+      </p:sp>
+      <p:sp>
+        <p:nvSpPr>
+          <p:cNvPr id="118" name="Straight Arrow Connector 13"/>
+          <p:cNvSpPr/>
+          <p:nvPr/>
+        </p:nvSpPr>
+        <p:spPr>
+          <a:xfrm>
+            <a:off x="2690446" y="1486712"/>
+            <a:ext cx="3200400" cy="929597"/>
+          </a:xfrm>
+          <a:prstGeom prst="line">
+            <a:avLst/>
+          </a:prstGeom>
+          <a:ln w="25400">
+            <a:solidFill>
+              <a:schemeClr val="accent1"/>
+            </a:solidFill>
+            <a:tailEnd type="triangle"/>
+          </a:ln>
+        </p:spPr>
+        <p:txBody>
+          <a:bodyPr lIns="45718" tIns="45718" rIns="45718" bIns="45718"/>
+          <a:lstStyle/>
+          <a:p>
+            <a:endParaRPr/>
+          </a:p>
+        </p:txBody>
+      </p:sp>
+      <p:sp>
+        <p:nvSpPr>
+          <p:cNvPr id="119" name="Rectangle 27"/>
+          <p:cNvSpPr txBox="1"/>
+          <p:nvPr/>
+        </p:nvSpPr>
+        <p:spPr>
+          <a:xfrm>
+            <a:off x="2604202" y="1845386"/>
+            <a:ext cx="1028698" cy="497841"/>
+          </a:xfrm>
+          <a:prstGeom prst="rect">
+            <a:avLst/>
+          </a:prstGeom>
+          <a:ln w="12700">
+            <a:miter lim="400000"/>
+          </a:ln>
+          <a:extLst>
+            <a:ext uri="{C572A759-6A51-4108-AA02-DFA0A04FC94B}">
+              <ma14:wrappingTextBoxFlag xmlns:ma14="http://schemas.microsoft.com/office/mac/drawingml/2011/main" xmlns:a14="http://schemas.microsoft.com/office/drawing/2010/main" xmlns:m="http://schemas.openxmlformats.org/officeDocument/2006/math" xmlns="" val="1"/>
+            </a:ext>
+          </a:extLst>
+        </p:spPr>
+        <p:txBody>
+          <a:bodyPr wrap="none" lIns="45719" rIns="45719">
+            <a:spAutoFit/>
+          </a:bodyPr>
+          <a:lstStyle>
+            <a:lvl1pPr defTabSz="786383">
+              <a:spcBef>
+                <a:spcPts val="600"/>
+              </a:spcBef>
+              <a:defRPr sz="2700"/>
+            </a:lvl1pPr>
+          </a:lstStyle>
+          <a:p>
+            <a:r>
+              <a:t>N=p q</a:t>
+            </a:r>
+          </a:p>
+        </p:txBody>
+      </p:sp>
+      <p:sp>
+        <p:nvSpPr>
+          <p:cNvPr id="120" name="Straight Arrow Connector 28"/>
+          <p:cNvSpPr/>
+          <p:nvPr/>
+        </p:nvSpPr>
+        <p:spPr>
+          <a:xfrm>
+            <a:off x="3193825" y="2374853"/>
+            <a:ext cx="2697022" cy="2511433"/>
+          </a:xfrm>
+          <a:prstGeom prst="line">
+            <a:avLst/>
+          </a:prstGeom>
+          <a:ln w="25400">
+            <a:solidFill>
+              <a:schemeClr val="accent1"/>
+            </a:solidFill>
+            <a:tailEnd type="triangle"/>
+          </a:ln>
+        </p:spPr>
+        <p:txBody>
+          <a:bodyPr lIns="45718" tIns="45718" rIns="45718" bIns="45718"/>
+          <a:lstStyle/>
+          <a:p>
+            <a:endParaRPr/>
+          </a:p>
+        </p:txBody>
+      </p:sp>
+      <p:sp>
+        <p:nvSpPr>
+          <p:cNvPr id="121" name="Straight Arrow Connector 30"/>
+          <p:cNvSpPr/>
+          <p:nvPr/>
+        </p:nvSpPr>
+        <p:spPr>
+          <a:xfrm>
+            <a:off x="3504229" y="2309460"/>
+            <a:ext cx="2386618" cy="1633442"/>
+          </a:xfrm>
+          <a:prstGeom prst="line">
+            <a:avLst/>
+          </a:prstGeom>
+          <a:ln w="25400">
+            <a:solidFill>
+              <a:schemeClr val="accent1"/>
+            </a:solidFill>
+            <a:tailEnd type="triangle"/>
+          </a:ln>
+        </p:spPr>
+        <p:txBody>
+          <a:bodyPr lIns="45718" tIns="45718" rIns="45718" bIns="45718"/>
+          <a:lstStyle/>
+          <a:p>
+            <a:endParaRPr/>
+          </a:p>
+        </p:txBody>
+      </p:sp>
+      <p:grpSp>
+        <p:nvGrpSpPr>
+          <p:cNvPr id="124" name="Picture 3"/>
+          <p:cNvGrpSpPr/>
+          <p:nvPr/>
+        </p:nvGrpSpPr>
+        <p:grpSpPr>
+          <a:xfrm>
+            <a:off x="-14465" y="1137117"/>
+            <a:ext cx="8904044" cy="3559669"/>
+            <a:chOff x="0" y="0"/>
+            <a:chExt cx="8904043" cy="3559667"/>
+          </a:xfrm>
+        </p:grpSpPr>
+        <p:pic>
+          <p:nvPicPr>
+            <p:cNvPr id="123" name="Picture 3" descr="Picture 3"/>
+            <p:cNvPicPr>
+              <a:picLocks noChangeAspect="1"/>
+            </p:cNvPicPr>
+            <p:nvPr/>
+          </p:nvPicPr>
+          <p:blipFill>
+            <a:blip r:embed="rId5"/>
+            <a:stretch>
+              <a:fillRect/>
+            </a:stretch>
+          </p:blipFill>
+          <p:spPr>
+            <a:xfrm>
+              <a:off x="203200" y="203200"/>
+              <a:ext cx="8497644" cy="3115168"/>
+            </a:xfrm>
+            <a:prstGeom prst="rect">
+              <a:avLst/>
+            </a:prstGeom>
+            <a:ln>
+              <a:noFill/>
+            </a:ln>
+            <a:effectLst/>
+          </p:spPr>
+        </p:pic>
+        <p:pic>
+          <p:nvPicPr>
+            <p:cNvPr id="122" name="Picture 3" descr="Picture 3"/>
+            <p:cNvPicPr>
+              <a:picLocks/>
+            </p:cNvPicPr>
+            <p:nvPr/>
+          </p:nvPicPr>
+          <p:blipFill>
+            <a:blip r:embed="rId6"/>
+            <a:stretch>
+              <a:fillRect/>
+            </a:stretch>
+          </p:blipFill>
+          <p:spPr>
+            <a:xfrm>
+              <a:off x="0" y="0"/>
+              <a:ext cx="8904044" cy="3559668"/>
+            </a:xfrm>
+            <a:prstGeom prst="rect">
+              <a:avLst/>
+            </a:prstGeom>
+            <a:effectLst/>
+          </p:spPr>
+        </p:pic>
+      </p:grpSp>
+    </p:spTree>
+  </p:cSld>
+  <p:clrMapOvr>
+    <a:masterClrMapping/>
+  </p:clrMapOvr>
+  <p:transition spd="med"/>
+  <p:timing>
+    <p:tnLst>
+      <p:par>
+        <p:cTn id="1" dur="indefinite" restart="never" fill="hold" nodeType="tmRoot">
+          <p:childTnLst>
+            <p:seq concurrent="1" prevAc="none" nextAc="seek">
+              <p:cTn id="2" dur="indefinite" fill="hold" nodeType="mainSeq">
+                <p:childTnLst>
+                  <p:par>
+                    <p:cTn id="3" fill="hold">
+                      <p:stCondLst>
+                        <p:cond delay="indefinite"/>
+                      </p:stCondLst>
+                      <p:childTnLst>
+                        <p:par>
+                          <p:cTn id="4" fill="hold">
+                            <p:stCondLst>
+                              <p:cond delay="0"/>
+                            </p:stCondLst>
+                            <p:childTnLst>
+                              <p:par>
+                                <p:cTn id="5" presetID="2" presetClass="entr" presetSubtype="4" fill="hold" grpId="0" nodeType="clickEffect">
+                                  <p:stCondLst>
+                                    <p:cond delay="0"/>
+                                  </p:stCondLst>
+                                  <p:iterate>
+                                    <p:tmAbs val="0"/>
+                                  </p:iterate>
+                                  <p:childTnLst>
+                                    <p:set>
+                                      <p:cBhvr>
+                                        <p:cTn id="6" fill="hold"/>
+                                        <p:tgtEl>
+                                          <p:spTgt spid="124"/>
+                                        </p:tgtEl>
+                                        <p:attrNameLst>
+                                          <p:attrName>style.visibility</p:attrName>
+                                        </p:attrNameLst>
+                                      </p:cBhvr>
+                                      <p:to>
+                                        <p:strVal val="visible"/>
+                                      </p:to>
+                                    </p:set>
+                                    <p:anim calcmode="lin" valueType="num">
+                                      <p:cBhvr>
+                                        <p:cTn id="7" dur="500" fill="hold"/>
+                                        <p:tgtEl>
+                                          <p:spTgt spid="124"/>
+                                        </p:tgtEl>
+                                        <p:attrNameLst>
+                                          <p:attrName>ppt_x</p:attrName>
+                                        </p:attrNameLst>
+                                      </p:cBhvr>
+                                      <p:tavLst>
+                                        <p:tav tm="0">
+                                          <p:val>
+                                            <p:strVal val="#ppt_x"/>
+                                          </p:val>
+                                        </p:tav>
+                                        <p:tav tm="100000">
+                                          <p:val>
+                                            <p:strVal val="#ppt_x"/>
+                                          </p:val>
+                                        </p:tav>
+                                      </p:tavLst>
+                                    </p:anim>
+                                    <p:anim calcmode="lin" valueType="num">
+                                      <p:cBhvr>
+                                        <p:cTn id="8" dur="500" fill="hold"/>
+                                        <p:tgtEl>
+                                          <p:spTgt spid="124"/>
+                                        </p:tgtEl>
+                                        <p:attrNameLst>
+                                          <p:attrName>ppt_y</p:attrName>
+                                        </p:attrNameLst>
+                                      </p:cBhvr>
+                                      <p:tavLst>
+                                        <p:tav tm="0">
+                                          <p:val>
+                                            <p:strVal val="1+#ppt_h/2"/>
+                                          </p:val>
+                                        </p:tav>
+                                        <p:tav tm="100000">
+                                          <p:val>
+                                            <p:strVal val="#ppt_y"/>
+                                          </p:val>
+                                        </p:tav>
+                                      </p:tavLst>
+                                    </p:anim>
+                                  </p:childTnLst>
+                                </p:cTn>
+                              </p:par>
+                            </p:childTnLst>
+                          </p:cTn>
+                        </p:par>
+                      </p:childTnLst>
+                    </p:cTn>
+                  </p:par>
+                </p:childTnLst>
+              </p:cTn>
+              <p:prevCondLst>
+                <p:cond evt="onPrev" delay="0">
+                  <p:tgtEl>
+                    <p:sldTgt/>
+                  </p:tgtEl>
+                </p:cond>
+              </p:prevCondLst>
+              <p:nextCondLst>
+                <p:cond evt="onNext" delay="0">
+                  <p:tgtEl>
+                    <p:sldTgt/>
+                  </p:tgtEl>
+                </p:cond>
+              </p:nextCondLst>
+            </p:seq>
+          </p:childTnLst>
+        </p:cTn>
+      </p:par>
+    </p:tnLst>
+    <p:bldLst>
+      <p:bldP spid="124" grpId="0" animBg="1" advAuto="0"/>
+    </p:bldLst>
+  </p:timing>
+</p:sld>
+</file>
+
+<file path=ppt/slides/slide11.xml><?xml version="1.0" encoding="utf-8"?>
+<p:sld xmlns:a="http://schemas.openxmlformats.org/drawingml/2006/main" xmlns:r="http://schemas.openxmlformats.org/officeDocument/2006/relationships" xmlns:p="http://schemas.openxmlformats.org/presentationml/2006/main">
+  <p:cSld>
+    <p:spTree>
+      <p:nvGrpSpPr>
+        <p:cNvPr id="1" name=""/>
+        <p:cNvGrpSpPr/>
+        <p:nvPr/>
+      </p:nvGrpSpPr>
+      <p:grpSpPr>
+        <a:xfrm>
+          <a:off x="0" y="0"/>
+          <a:ext cx="0" cy="0"/>
+          <a:chOff x="0" y="0"/>
+          <a:chExt cx="0" cy="0"/>
+        </a:xfrm>
+      </p:grpSpPr>
+      <p:sp>
+        <p:nvSpPr>
+          <p:cNvPr id="126" name="RSA"/>
+          <p:cNvSpPr txBox="1">
+            <a:spLocks noGrp="1"/>
+          </p:cNvSpPr>
+          <p:nvPr>
+            <p:ph type="title" idx="4294967295"/>
+          </p:nvPr>
+        </p:nvSpPr>
+        <p:spPr>
+          <a:xfrm>
+            <a:off x="0" y="-2118"/>
+            <a:ext cx="7886700" cy="649291"/>
+          </a:xfrm>
+          <a:prstGeom prst="rect">
+            <a:avLst/>
+          </a:prstGeom>
+        </p:spPr>
+        <p:txBody>
+          <a:bodyPr lIns="45718" tIns="45718" rIns="45718" bIns="45718"/>
+          <a:lstStyle>
+            <a:lvl1pPr defTabSz="749808">
+              <a:lnSpc>
+                <a:spcPct val="100000"/>
+              </a:lnSpc>
+              <a:defRPr sz="3600">
+                <a:latin typeface="+mj-lt"/>
+                <a:ea typeface="+mj-ea"/>
+                <a:cs typeface="+mj-cs"/>
+                <a:sym typeface="Calibri"/>
+              </a:defRPr>
+            </a:lvl1pPr>
+          </a:lstStyle>
+          <a:p>
+            <a:r>
+              <a:t>Key ring</a:t>
+            </a:r>
+          </a:p>
+        </p:txBody>
+      </p:sp>
+      <p:pic>
+        <p:nvPicPr>
+          <p:cNvPr id="127" name="1MBvR8aTzMen.png" descr="1MBvR8aTzMen.png"/>
+          <p:cNvPicPr>
+            <a:picLocks noChangeAspect="1"/>
+          </p:cNvPicPr>
+          <p:nvPr/>
+        </p:nvPicPr>
+        <p:blipFill>
+          <a:blip r:embed="rId2"/>
+          <a:stretch>
+            <a:fillRect/>
+          </a:stretch>
+        </p:blipFill>
+        <p:spPr>
+          <a:xfrm>
+            <a:off x="-242104" y="726773"/>
+            <a:ext cx="9577408" cy="5149094"/>
+          </a:xfrm>
+          <a:prstGeom prst="rect">
+            <a:avLst/>
+          </a:prstGeom>
+          <a:ln w="12700">
+            <a:miter lim="400000"/>
+          </a:ln>
+        </p:spPr>
+      </p:pic>
+    </p:spTree>
+  </p:cSld>
+  <p:clrMapOvr>
+    <a:masterClrMapping/>
+  </p:clrMapOvr>
+  <p:transition spd="med"/>
+</p:sld>
+</file>
+
+<file path=ppt/slides/slide12.xml><?xml version="1.0" encoding="utf-8"?>
+<p:sld xmlns:a="http://schemas.openxmlformats.org/drawingml/2006/main" xmlns:r="http://schemas.openxmlformats.org/officeDocument/2006/relationships" xmlns:p="http://schemas.openxmlformats.org/presentationml/2006/main">
+  <p:cSld>
+    <p:spTree>
+      <p:nvGrpSpPr>
+        <p:cNvPr id="1" name=""/>
+        <p:cNvGrpSpPr/>
+        <p:nvPr/>
+      </p:nvGrpSpPr>
+      <p:grpSpPr>
+        <a:xfrm>
+          <a:off x="0" y="0"/>
+          <a:ext cx="0" cy="0"/>
+          <a:chOff x="0" y="0"/>
+          <a:chExt cx="0" cy="0"/>
+        </a:xfrm>
+      </p:grpSpPr>
+      <p:sp>
+        <p:nvSpPr>
           <p:cNvPr id="61" name="Chapter 4: Public Key    Elliptic Curve  Prof Bill Buchanan OBE http://asecuritysite.com/crypto04 http://asecuritysite.com/encryption"/>
           <p:cNvSpPr txBox="1">
             <a:spLocks noGrp="1"/>
@@ -1881,7 +2696,7 @@
 </p:sld>
 </file>
 
-<file path=ppt/slides/slide11.xml><?xml version="1.0" encoding="utf-8"?>
+<file path=ppt/slides/slide13.xml><?xml version="1.0" encoding="utf-8"?>
 <p:sld xmlns:a="http://schemas.openxmlformats.org/drawingml/2006/main" xmlns:r="http://schemas.openxmlformats.org/officeDocument/2006/relationships" xmlns:p="http://schemas.openxmlformats.org/presentationml/2006/main">
   <p:cSld>
     <p:spTree>
@@ -2015,7 +2830,7 @@
           </a:ln>
           <a:extLst>
             <a:ext uri="{C572A759-6A51-4108-AA02-DFA0A04FC94B}">
-              <ma14:wrappingTextBoxFlag xmlns:ma14="http://schemas.microsoft.com/office/mac/drawingml/2011/main" xmlns:a14="http://schemas.microsoft.com/office/drawing/2010/main" xmlns:m="http://schemas.openxmlformats.org/officeDocument/2006/math" xmlns="" val="1"/>
+              <ma14:wrappingTextBoxFlag xmlns="" xmlns:m="http://schemas.openxmlformats.org/officeDocument/2006/math" xmlns:a14="http://schemas.microsoft.com/office/drawing/2010/main" xmlns:ma14="http://schemas.microsoft.com/office/mac/drawingml/2011/main" val="1"/>
             </a:ext>
           </a:extLst>
         </p:spPr>
@@ -2140,7 +2955,7 @@
 </p:sld>
 </file>
 
-<file path=ppt/slides/slide12.xml><?xml version="1.0" encoding="utf-8"?>
+<file path=ppt/slides/slide14.xml><?xml version="1.0" encoding="utf-8"?>
 <p:sld xmlns:a="http://schemas.openxmlformats.org/drawingml/2006/main" xmlns:r="http://schemas.openxmlformats.org/officeDocument/2006/relationships" xmlns:p="http://schemas.openxmlformats.org/presentationml/2006/main">
   <p:cSld>
     <p:spTree>
@@ -2291,7 +3106,7 @@
 </p:sld>
 </file>
 
-<file path=ppt/slides/slide13.xml><?xml version="1.0" encoding="utf-8"?>
+<file path=ppt/slides/slide15.xml><?xml version="1.0" encoding="utf-8"?>
 <p:sld xmlns:a="http://schemas.openxmlformats.org/drawingml/2006/main" xmlns:r="http://schemas.openxmlformats.org/officeDocument/2006/relationships" xmlns:p="http://schemas.openxmlformats.org/presentationml/2006/main">
   <p:cSld>
     <p:spTree>
@@ -2415,7 +3230,7 @@
 </p:sld>
 </file>
 
-<file path=ppt/slides/slide14.xml><?xml version="1.0" encoding="utf-8"?>
+<file path=ppt/slides/slide16.xml><?xml version="1.0" encoding="utf-8"?>
 <p:sld xmlns:a="http://schemas.openxmlformats.org/drawingml/2006/main" xmlns:r="http://schemas.openxmlformats.org/officeDocument/2006/relationships" xmlns:p="http://schemas.openxmlformats.org/presentationml/2006/main">
   <p:cSld>
     <p:spTree>
@@ -2587,7 +3402,7 @@
             <a:effectLst/>
             <a:extLst>
               <a:ext uri="{C572A759-6A51-4108-AA02-DFA0A04FC94B}">
-                <ma14:wrappingTextBoxFlag xmlns:ma14="http://schemas.microsoft.com/office/mac/drawingml/2011/main" xmlns:a14="http://schemas.microsoft.com/office/drawing/2010/main" xmlns:m="http://schemas.openxmlformats.org/officeDocument/2006/math" xmlns="" val="1"/>
+                <ma14:wrappingTextBoxFlag xmlns="" xmlns:m="http://schemas.openxmlformats.org/officeDocument/2006/math" xmlns:a14="http://schemas.microsoft.com/office/drawing/2010/main" xmlns:ma14="http://schemas.microsoft.com/office/mac/drawingml/2011/main" val="1"/>
               </a:ext>
             </a:extLst>
           </p:spPr>
@@ -2858,7 +3673,7 @@
             <a:effectLst/>
             <a:extLst>
               <a:ext uri="{C572A759-6A51-4108-AA02-DFA0A04FC94B}">
-                <ma14:wrappingTextBoxFlag xmlns:ma14="http://schemas.microsoft.com/office/mac/drawingml/2011/main" xmlns:a14="http://schemas.microsoft.com/office/drawing/2010/main" xmlns:m="http://schemas.openxmlformats.org/officeDocument/2006/math" xmlns="" val="1"/>
+                <ma14:wrappingTextBoxFlag xmlns="" xmlns:m="http://schemas.openxmlformats.org/officeDocument/2006/math" xmlns:a14="http://schemas.microsoft.com/office/drawing/2010/main" xmlns:ma14="http://schemas.microsoft.com/office/mac/drawingml/2011/main" val="1"/>
               </a:ext>
             </a:extLst>
           </p:spPr>
@@ -2915,7 +3730,7 @@
 </p:sld>
 </file>
 
-<file path=ppt/slides/slide15.xml><?xml version="1.0" encoding="utf-8"?>
+<file path=ppt/slides/slide17.xml><?xml version="1.0" encoding="utf-8"?>
 <p:sld xmlns:a="http://schemas.openxmlformats.org/drawingml/2006/main" xmlns:r="http://schemas.openxmlformats.org/officeDocument/2006/relationships" xmlns:p="http://schemas.openxmlformats.org/presentationml/2006/main">
   <p:cSld>
     <p:spTree>
@@ -3087,7 +3902,7 @@
             <a:effectLst/>
             <a:extLst>
               <a:ext uri="{C572A759-6A51-4108-AA02-DFA0A04FC94B}">
-                <ma14:wrappingTextBoxFlag xmlns:ma14="http://schemas.microsoft.com/office/mac/drawingml/2011/main" xmlns:a14="http://schemas.microsoft.com/office/drawing/2010/main" xmlns:m="http://schemas.openxmlformats.org/officeDocument/2006/math" xmlns="" val="1"/>
+                <ma14:wrappingTextBoxFlag xmlns="" xmlns:m="http://schemas.openxmlformats.org/officeDocument/2006/math" xmlns:a14="http://schemas.microsoft.com/office/drawing/2010/main" xmlns:ma14="http://schemas.microsoft.com/office/mac/drawingml/2011/main" val="1"/>
               </a:ext>
             </a:extLst>
           </p:spPr>
@@ -3356,7 +4171,7 @@
             <a:effectLst/>
             <a:extLst>
               <a:ext uri="{C572A759-6A51-4108-AA02-DFA0A04FC94B}">
-                <ma14:wrappingTextBoxFlag xmlns:ma14="http://schemas.microsoft.com/office/mac/drawingml/2011/main" xmlns:a14="http://schemas.microsoft.com/office/drawing/2010/main" xmlns:m="http://schemas.openxmlformats.org/officeDocument/2006/math" xmlns="" val="1"/>
+                <ma14:wrappingTextBoxFlag xmlns="" xmlns:m="http://schemas.openxmlformats.org/officeDocument/2006/math" xmlns:a14="http://schemas.microsoft.com/office/drawing/2010/main" xmlns:ma14="http://schemas.microsoft.com/office/mac/drawingml/2011/main" val="1"/>
               </a:ext>
             </a:extLst>
           </p:spPr>
@@ -3677,7 +4492,7 @@
             <a:effectLst/>
             <a:extLst>
               <a:ext uri="{C572A759-6A51-4108-AA02-DFA0A04FC94B}">
-                <ma14:wrappingTextBoxFlag xmlns:ma14="http://schemas.microsoft.com/office/mac/drawingml/2011/main" xmlns:a14="http://schemas.microsoft.com/office/drawing/2010/main" xmlns:m="http://schemas.openxmlformats.org/officeDocument/2006/math" xmlns="" val="1"/>
+                <ma14:wrappingTextBoxFlag xmlns="" xmlns:m="http://schemas.openxmlformats.org/officeDocument/2006/math" xmlns:a14="http://schemas.microsoft.com/office/drawing/2010/main" xmlns:ma14="http://schemas.microsoft.com/office/mac/drawingml/2011/main" val="1"/>
               </a:ext>
             </a:extLst>
           </p:spPr>
@@ -3857,7 +4672,7 @@
 </p:sld>
 </file>
 
-<file path=ppt/slides/slide16.xml><?xml version="1.0" encoding="utf-8"?>
+<file path=ppt/slides/slide18.xml><?xml version="1.0" encoding="utf-8"?>
 <p:sld xmlns:a="http://schemas.openxmlformats.org/drawingml/2006/main" xmlns:r="http://schemas.openxmlformats.org/officeDocument/2006/relationships" xmlns:p="http://schemas.openxmlformats.org/presentationml/2006/main">
   <p:cSld>
     <p:spTree>
@@ -4029,7 +4844,7 @@
             <a:effectLst/>
             <a:extLst>
               <a:ext uri="{C572A759-6A51-4108-AA02-DFA0A04FC94B}">
-                <ma14:wrappingTextBoxFlag xmlns:ma14="http://schemas.microsoft.com/office/mac/drawingml/2011/main" xmlns:a14="http://schemas.microsoft.com/office/drawing/2010/main" xmlns:m="http://schemas.openxmlformats.org/officeDocument/2006/math" xmlns="" val="1"/>
+                <ma14:wrappingTextBoxFlag xmlns="" xmlns:m="http://schemas.openxmlformats.org/officeDocument/2006/math" xmlns:a14="http://schemas.microsoft.com/office/drawing/2010/main" xmlns:ma14="http://schemas.microsoft.com/office/mac/drawingml/2011/main" val="1"/>
               </a:ext>
             </a:extLst>
           </p:spPr>
@@ -4298,7 +5113,7 @@
             <a:effectLst/>
             <a:extLst>
               <a:ext uri="{C572A759-6A51-4108-AA02-DFA0A04FC94B}">
-                <ma14:wrappingTextBoxFlag xmlns:ma14="http://schemas.microsoft.com/office/mac/drawingml/2011/main" xmlns:a14="http://schemas.microsoft.com/office/drawing/2010/main" xmlns:m="http://schemas.openxmlformats.org/officeDocument/2006/math" xmlns="" val="1"/>
+                <ma14:wrappingTextBoxFlag xmlns="" xmlns:m="http://schemas.openxmlformats.org/officeDocument/2006/math" xmlns:a14="http://schemas.microsoft.com/office/drawing/2010/main" xmlns:ma14="http://schemas.microsoft.com/office/mac/drawingml/2011/main" val="1"/>
               </a:ext>
             </a:extLst>
           </p:spPr>
@@ -4619,7 +5434,7 @@
             <a:effectLst/>
             <a:extLst>
               <a:ext uri="{C572A759-6A51-4108-AA02-DFA0A04FC94B}">
-                <ma14:wrappingTextBoxFlag xmlns:ma14="http://schemas.microsoft.com/office/mac/drawingml/2011/main" xmlns:a14="http://schemas.microsoft.com/office/drawing/2010/main" xmlns:m="http://schemas.openxmlformats.org/officeDocument/2006/math" xmlns="" val="1"/>
+                <ma14:wrappingTextBoxFlag xmlns="" xmlns:m="http://schemas.openxmlformats.org/officeDocument/2006/math" xmlns:a14="http://schemas.microsoft.com/office/drawing/2010/main" xmlns:ma14="http://schemas.microsoft.com/office/mac/drawingml/2011/main" val="1"/>
               </a:ext>
             </a:extLst>
           </p:spPr>
@@ -4750,7 +5565,7 @@
             <a:effectLst/>
             <a:extLst>
               <a:ext uri="{C572A759-6A51-4108-AA02-DFA0A04FC94B}">
-                <ma14:wrappingTextBoxFlag xmlns:ma14="http://schemas.microsoft.com/office/mac/drawingml/2011/main" xmlns:a14="http://schemas.microsoft.com/office/drawing/2010/main" xmlns:m="http://schemas.openxmlformats.org/officeDocument/2006/math" xmlns="" val="1"/>
+                <ma14:wrappingTextBoxFlag xmlns="" xmlns:m="http://schemas.openxmlformats.org/officeDocument/2006/math" xmlns:a14="http://schemas.microsoft.com/office/drawing/2010/main" xmlns:ma14="http://schemas.microsoft.com/office/mac/drawingml/2011/main" val="1"/>
               </a:ext>
             </a:extLst>
           </p:spPr>
@@ -5289,7 +6104,7 @@
 </p:sld>
 </file>
 
-<file path=ppt/slides/slide17.xml><?xml version="1.0" encoding="utf-8"?>
+<file path=ppt/slides/slide19.xml><?xml version="1.0" encoding="utf-8"?>
 <p:sld xmlns:a="http://schemas.openxmlformats.org/drawingml/2006/main" xmlns:r="http://schemas.openxmlformats.org/officeDocument/2006/relationships" xmlns:p="http://schemas.openxmlformats.org/presentationml/2006/main">
   <p:cSld>
     <p:spTree>
@@ -5381,7 +6196,131 @@
 </p:sld>
 </file>
 
-<file path=ppt/slides/slide18.xml><?xml version="1.0" encoding="utf-8"?>
+<file path=ppt/slides/slide2.xml><?xml version="1.0" encoding="utf-8"?>
+<p:sld xmlns:a="http://schemas.openxmlformats.org/drawingml/2006/main" xmlns:r="http://schemas.openxmlformats.org/officeDocument/2006/relationships" xmlns:p="http://schemas.openxmlformats.org/presentationml/2006/main">
+  <p:cSld>
+    <p:spTree>
+      <p:nvGrpSpPr>
+        <p:cNvPr id="1" name=""/>
+        <p:cNvGrpSpPr/>
+        <p:nvPr/>
+      </p:nvGrpSpPr>
+      <p:grpSpPr>
+        <a:xfrm>
+          <a:off x="0" y="0"/>
+          <a:ext cx="0" cy="0"/>
+          <a:chOff x="0" y="0"/>
+          <a:chExt cx="0" cy="0"/>
+        </a:xfrm>
+      </p:grpSpPr>
+      <p:sp>
+        <p:nvSpPr>
+          <p:cNvPr id="23" name="Public Key Methods"/>
+          <p:cNvSpPr txBox="1">
+            <a:spLocks noGrp="1"/>
+          </p:cNvSpPr>
+          <p:nvPr>
+            <p:ph type="title" idx="4294967295"/>
+          </p:nvPr>
+        </p:nvSpPr>
+        <p:spPr>
+          <a:xfrm>
+            <a:off x="6350" y="0"/>
+            <a:ext cx="8229600" cy="952500"/>
+          </a:xfrm>
+          <a:prstGeom prst="rect">
+            <a:avLst/>
+          </a:prstGeom>
+        </p:spPr>
+        <p:txBody>
+          <a:bodyPr>
+            <a:normAutofit/>
+          </a:bodyPr>
+          <a:lstStyle>
+            <a:lvl1pPr algn="l">
+              <a:defRPr sz="3000" b="1">
+                <a:solidFill>
+                  <a:srgbClr val="C00000"/>
+                </a:solidFill>
+              </a:defRPr>
+            </a:lvl1pPr>
+          </a:lstStyle>
+          <a:p>
+            <a:r>
+              <a:t>Public Key Methods</a:t>
+            </a:r>
+          </a:p>
+        </p:txBody>
+      </p:sp>
+      <p:sp>
+        <p:nvSpPr>
+          <p:cNvPr id="24" name="Body"/>
+          <p:cNvSpPr txBox="1">
+            <a:spLocks noGrp="1"/>
+          </p:cNvSpPr>
+          <p:nvPr>
+            <p:ph type="body" idx="4294967295"/>
+          </p:nvPr>
+        </p:nvSpPr>
+        <p:spPr>
+          <a:xfrm>
+            <a:off x="457200" y="1333500"/>
+            <a:ext cx="8229600" cy="3771900"/>
+          </a:xfrm>
+          <a:prstGeom prst="rect">
+            <a:avLst/>
+          </a:prstGeom>
+        </p:spPr>
+        <p:txBody>
+          <a:bodyPr>
+            <a:normAutofit/>
+          </a:bodyPr>
+          <a:lstStyle/>
+          <a:p>
+            <a:pPr>
+              <a:buChar char="•"/>
+            </a:pPr>
+            <a:endParaRPr/>
+          </a:p>
+        </p:txBody>
+      </p:sp>
+      <p:pic>
+        <p:nvPicPr>
+          <p:cNvPr id="25" name="image.png" descr="image.png"/>
+          <p:cNvPicPr>
+            <a:picLocks noChangeAspect="1"/>
+          </p:cNvPicPr>
+          <p:nvPr/>
+        </p:nvPicPr>
+        <p:blipFill>
+          <a:blip r:embed="rId2"/>
+          <a:stretch>
+            <a:fillRect/>
+          </a:stretch>
+        </p:blipFill>
+        <p:spPr>
+          <a:xfrm>
+            <a:off x="0" y="841375"/>
+            <a:ext cx="9144000" cy="4514850"/>
+          </a:xfrm>
+          <a:prstGeom prst="rect">
+            <a:avLst/>
+          </a:prstGeom>
+          <a:ln w="12700">
+            <a:miter lim="400000"/>
+          </a:ln>
+        </p:spPr>
+      </p:pic>
+    </p:spTree>
+  </p:cSld>
+  <p:clrMapOvr>
+    <a:masterClrMapping/>
+  </p:clrMapOvr>
+  <p:transition spd="med"/>
+</p:sld>
+</file>
+
+<file path=ppt/slides/slide20.xml><?xml version="1.0" encoding="utf-8"?>
 <p:sld xmlns:a="http://schemas.openxmlformats.org/drawingml/2006/main" xmlns:r="http://schemas.openxmlformats.org/officeDocument/2006/relationships" xmlns:p="http://schemas.openxmlformats.org/presentationml/2006/main">
   <p:cSld>
     <p:spTree>
@@ -5669,7 +6608,7 @@
 </p:sld>
 </file>
 
-<file path=ppt/slides/slide19.xml><?xml version="1.0" encoding="utf-8"?>
+<file path=ppt/slides/slide21.xml><?xml version="1.0" encoding="utf-8"?>
 <p:sld xmlns:a="http://schemas.openxmlformats.org/drawingml/2006/main" xmlns:r="http://schemas.openxmlformats.org/officeDocument/2006/relationships" xmlns:p="http://schemas.openxmlformats.org/presentationml/2006/main">
   <p:cSld>
     <p:spTree>
@@ -5829,131 +6768,7 @@
 </p:sld>
 </file>
 
-<file path=ppt/slides/slide2.xml><?xml version="1.0" encoding="utf-8"?>
-<p:sld xmlns:a="http://schemas.openxmlformats.org/drawingml/2006/main" xmlns:r="http://schemas.openxmlformats.org/officeDocument/2006/relationships" xmlns:p="http://schemas.openxmlformats.org/presentationml/2006/main">
-  <p:cSld>
-    <p:spTree>
-      <p:nvGrpSpPr>
-        <p:cNvPr id="1" name=""/>
-        <p:cNvGrpSpPr/>
-        <p:nvPr/>
-      </p:nvGrpSpPr>
-      <p:grpSpPr>
-        <a:xfrm>
-          <a:off x="0" y="0"/>
-          <a:ext cx="0" cy="0"/>
-          <a:chOff x="0" y="0"/>
-          <a:chExt cx="0" cy="0"/>
-        </a:xfrm>
-      </p:grpSpPr>
-      <p:sp>
-        <p:nvSpPr>
-          <p:cNvPr id="23" name="Public Key Methods"/>
-          <p:cNvSpPr txBox="1">
-            <a:spLocks noGrp="1"/>
-          </p:cNvSpPr>
-          <p:nvPr>
-            <p:ph type="title" idx="4294967295"/>
-          </p:nvPr>
-        </p:nvSpPr>
-        <p:spPr>
-          <a:xfrm>
-            <a:off x="6350" y="0"/>
-            <a:ext cx="8229600" cy="952500"/>
-          </a:xfrm>
-          <a:prstGeom prst="rect">
-            <a:avLst/>
-          </a:prstGeom>
-        </p:spPr>
-        <p:txBody>
-          <a:bodyPr>
-            <a:normAutofit/>
-          </a:bodyPr>
-          <a:lstStyle>
-            <a:lvl1pPr algn="l">
-              <a:defRPr sz="3000" b="1">
-                <a:solidFill>
-                  <a:srgbClr val="C00000"/>
-                </a:solidFill>
-              </a:defRPr>
-            </a:lvl1pPr>
-          </a:lstStyle>
-          <a:p>
-            <a:r>
-              <a:t>Public Key Methods</a:t>
-            </a:r>
-          </a:p>
-        </p:txBody>
-      </p:sp>
-      <p:sp>
-        <p:nvSpPr>
-          <p:cNvPr id="24" name="Body"/>
-          <p:cNvSpPr txBox="1">
-            <a:spLocks noGrp="1"/>
-          </p:cNvSpPr>
-          <p:nvPr>
-            <p:ph type="body" idx="4294967295"/>
-          </p:nvPr>
-        </p:nvSpPr>
-        <p:spPr>
-          <a:xfrm>
-            <a:off x="457200" y="1333500"/>
-            <a:ext cx="8229600" cy="3771900"/>
-          </a:xfrm>
-          <a:prstGeom prst="rect">
-            <a:avLst/>
-          </a:prstGeom>
-        </p:spPr>
-        <p:txBody>
-          <a:bodyPr>
-            <a:normAutofit/>
-          </a:bodyPr>
-          <a:lstStyle/>
-          <a:p>
-            <a:pPr>
-              <a:buChar char="•"/>
-            </a:pPr>
-            <a:endParaRPr/>
-          </a:p>
-        </p:txBody>
-      </p:sp>
-      <p:pic>
-        <p:nvPicPr>
-          <p:cNvPr id="25" name="image.png" descr="image.png"/>
-          <p:cNvPicPr>
-            <a:picLocks noChangeAspect="1"/>
-          </p:cNvPicPr>
-          <p:nvPr/>
-        </p:nvPicPr>
-        <p:blipFill>
-          <a:blip r:embed="rId2"/>
-          <a:stretch>
-            <a:fillRect/>
-          </a:stretch>
-        </p:blipFill>
-        <p:spPr>
-          <a:xfrm>
-            <a:off x="0" y="841375"/>
-            <a:ext cx="9144000" cy="4514850"/>
-          </a:xfrm>
-          <a:prstGeom prst="rect">
-            <a:avLst/>
-          </a:prstGeom>
-          <a:ln w="12700">
-            <a:miter lim="400000"/>
-          </a:ln>
-        </p:spPr>
-      </p:pic>
-    </p:spTree>
-  </p:cSld>
-  <p:clrMapOvr>
-    <a:masterClrMapping/>
-  </p:clrMapOvr>
-  <p:transition spd="med"/>
-</p:sld>
-</file>
-
-<file path=ppt/slides/slide20.xml><?xml version="1.0" encoding="utf-8"?>
+<file path=ppt/slides/slide22.xml><?xml version="1.0" encoding="utf-8"?>
 <p:sld xmlns:a="http://schemas.openxmlformats.org/drawingml/2006/main" xmlns:r="http://schemas.openxmlformats.org/officeDocument/2006/relationships" xmlns:p="http://schemas.openxmlformats.org/presentationml/2006/main">
   <p:cSld>
     <p:spTree>
@@ -6172,7 +6987,293 @@
 </p:sld>
 </file>
 
-<file path=ppt/slides/slide21.xml><?xml version="1.0" encoding="utf-8"?>
+<file path=ppt/slides/slide23.xml><?xml version="1.0" encoding="utf-8"?>
+<p:sld xmlns:a="http://schemas.openxmlformats.org/drawingml/2006/main" xmlns:r="http://schemas.openxmlformats.org/officeDocument/2006/relationships" xmlns:p="http://schemas.openxmlformats.org/presentationml/2006/main">
+  <p:cSld>
+    <p:spTree>
+      <p:nvGrpSpPr>
+        <p:cNvPr id="1" name=""/>
+        <p:cNvGrpSpPr/>
+        <p:nvPr/>
+      </p:nvGrpSpPr>
+      <p:grpSpPr>
+        <a:xfrm>
+          <a:off x="0" y="0"/>
+          <a:ext cx="0" cy="0"/>
+          <a:chOff x="0" y="0"/>
+          <a:chExt cx="0" cy="0"/>
+        </a:xfrm>
+      </p:grpSpPr>
+      <p:sp>
+        <p:nvSpPr>
+          <p:cNvPr id="123" name="Chapter 4: Public Key    ElGamal  Prof Bill Buchanan OBE http://asecuritysite.com/crypto04 http://asecuritysite.com/encryption"/>
+          <p:cNvSpPr txBox="1">
+            <a:spLocks noGrp="1"/>
+          </p:cNvSpPr>
+          <p:nvPr>
+            <p:ph type="title" idx="4294967295"/>
+          </p:nvPr>
+        </p:nvSpPr>
+        <p:spPr>
+          <a:xfrm>
+            <a:off x="277811" y="363933"/>
+            <a:ext cx="5327653" cy="5147869"/>
+          </a:xfrm>
+          <a:prstGeom prst="rect">
+            <a:avLst/>
+          </a:prstGeom>
+        </p:spPr>
+        <p:txBody>
+          <a:bodyPr>
+            <a:normAutofit/>
+          </a:bodyPr>
+          <a:lstStyle/>
+          <a:p>
+            <a:pPr algn="l">
+              <a:defRPr b="1">
+                <a:solidFill>
+                  <a:srgbClr val="C00000"/>
+                </a:solidFill>
+              </a:defRPr>
+            </a:pPr>
+            <a:r>
+              <a:rPr dirty="0"/>
+              <a:t>Public Key</a:t>
+            </a:r>
+            <a:br>
+              <a:rPr dirty="0"/>
+            </a:br>
+            <a:br>
+              <a:rPr dirty="0"/>
+            </a:br>
+            <a:br>
+              <a:rPr dirty="0"/>
+            </a:br>
+            <a:br>
+              <a:rPr dirty="0"/>
+            </a:br>
+            <a:r>
+              <a:rPr lang="en-US" sz="2000" b="0" dirty="0"/>
+              <a:t>PGP</a:t>
+            </a:r>
+            <a:br>
+              <a:rPr sz="2000" b="0" dirty="0"/>
+            </a:br>
+            <a:br>
+              <a:rPr sz="2000" b="0" dirty="0"/>
+            </a:br>
+            <a:r>
+              <a:rPr sz="3000" dirty="0">
+                <a:solidFill>
+                  <a:srgbClr val="000000"/>
+                </a:solidFill>
+              </a:rPr>
+              <a:t>Prof Bill Buchanan OBE</a:t>
+            </a:r>
+            <a:br>
+              <a:rPr sz="3000" dirty="0">
+                <a:solidFill>
+                  <a:srgbClr val="000000"/>
+                </a:solidFill>
+              </a:rPr>
+            </a:br>
+            <a:r>
+              <a:rPr sz="2000" b="0" dirty="0"/>
+              <a:t>http://</a:t>
+            </a:r>
+            <a:r>
+              <a:rPr sz="2000" b="0" dirty="0" err="1"/>
+              <a:t>asecuritysite.com</a:t>
+            </a:r>
+            <a:r>
+              <a:rPr sz="2000" b="0" dirty="0"/>
+              <a:t>/crypto04</a:t>
+            </a:r>
+            <a:br>
+              <a:rPr sz="2000" b="0" dirty="0"/>
+            </a:br>
+            <a:r>
+              <a:rPr sz="2000" b="0" dirty="0"/>
+              <a:t>http://</a:t>
+            </a:r>
+            <a:r>
+              <a:rPr sz="2000" b="0" dirty="0" err="1"/>
+              <a:t>asecuritysite.com</a:t>
+            </a:r>
+            <a:r>
+              <a:rPr sz="2000" b="0" dirty="0"/>
+              <a:t>/encryption</a:t>
+            </a:r>
+            <a:br>
+              <a:rPr sz="2000" b="0" dirty="0"/>
+            </a:br>
+            <a:endParaRPr sz="2000" b="0" dirty="0"/>
+          </a:p>
+        </p:txBody>
+      </p:sp>
+      <p:pic>
+        <p:nvPicPr>
+          <p:cNvPr id="124" name="image.jpeg" descr="image.jpeg"/>
+          <p:cNvPicPr>
+            <a:picLocks noChangeAspect="1"/>
+          </p:cNvPicPr>
+          <p:nvPr/>
+        </p:nvPicPr>
+        <p:blipFill>
+          <a:blip r:embed="rId2"/>
+          <a:stretch>
+            <a:fillRect/>
+          </a:stretch>
+        </p:blipFill>
+        <p:spPr>
+          <a:xfrm>
+            <a:off x="6011862" y="581025"/>
+            <a:ext cx="2305052" cy="3473450"/>
+          </a:xfrm>
+          <a:prstGeom prst="rect">
+            <a:avLst/>
+          </a:prstGeom>
+          <a:ln w="12700">
+            <a:miter lim="400000"/>
+          </a:ln>
+        </p:spPr>
+      </p:pic>
+    </p:spTree>
+    <p:extLst>
+      <p:ext uri="{BB962C8B-B14F-4D97-AF65-F5344CB8AC3E}">
+        <p14:creationId xmlns:p14="http://schemas.microsoft.com/office/powerpoint/2010/main" val="3310971524"/>
+      </p:ext>
+    </p:extLst>
+  </p:cSld>
+  <p:clrMapOvr>
+    <a:masterClrMapping/>
+  </p:clrMapOvr>
+  <p:transition spd="med"/>
+</p:sld>
+</file>
+
+<file path=ppt/slides/slide24.xml><?xml version="1.0" encoding="utf-8"?>
+<p:sld xmlns:a="http://schemas.openxmlformats.org/drawingml/2006/main" xmlns:r="http://schemas.openxmlformats.org/officeDocument/2006/relationships" xmlns:p="http://schemas.openxmlformats.org/presentationml/2006/main">
+  <p:cSld>
+    <p:spTree>
+      <p:nvGrpSpPr>
+        <p:cNvPr id="1" name=""/>
+        <p:cNvGrpSpPr/>
+        <p:nvPr/>
+      </p:nvGrpSpPr>
+      <p:grpSpPr>
+        <a:xfrm>
+          <a:off x="0" y="0"/>
+          <a:ext cx="0" cy="0"/>
+          <a:chOff x="0" y="0"/>
+          <a:chExt cx="0" cy="0"/>
+        </a:xfrm>
+      </p:grpSpPr>
+      <p:sp>
+        <p:nvSpPr>
+          <p:cNvPr id="204" name="ElGamal"/>
+          <p:cNvSpPr txBox="1">
+            <a:spLocks noGrp="1"/>
+          </p:cNvSpPr>
+          <p:nvPr>
+            <p:ph type="title" idx="4294967295"/>
+          </p:nvPr>
+        </p:nvSpPr>
+        <p:spPr>
+          <a:xfrm>
+            <a:off x="0" y="285749"/>
+            <a:ext cx="7886700" cy="649290"/>
+          </a:xfrm>
+          <a:prstGeom prst="rect">
+            <a:avLst/>
+          </a:prstGeom>
+        </p:spPr>
+        <p:txBody>
+          <a:bodyPr lIns="45718" tIns="45718" rIns="45718" bIns="45718"/>
+          <a:lstStyle>
+            <a:lvl1pPr defTabSz="749808">
+              <a:lnSpc>
+                <a:spcPct val="100000"/>
+              </a:lnSpc>
+              <a:defRPr sz="3600">
+                <a:latin typeface="+mj-lt"/>
+                <a:ea typeface="+mj-ea"/>
+                <a:cs typeface="+mj-cs"/>
+                <a:sym typeface="Calibri"/>
+              </a:defRPr>
+            </a:lvl1pPr>
+          </a:lstStyle>
+          <a:p>
+            <a:r>
+              <a:t>PGP</a:t>
+            </a:r>
+          </a:p>
+        </p:txBody>
+      </p:sp>
+      <p:pic>
+        <p:nvPicPr>
+          <p:cNvPr id="205" name="image.png" descr="image.png"/>
+          <p:cNvPicPr>
+            <a:picLocks noChangeAspect="1"/>
+          </p:cNvPicPr>
+          <p:nvPr/>
+        </p:nvPicPr>
+        <p:blipFill>
+          <a:blip r:embed="rId2"/>
+          <a:stretch>
+            <a:fillRect/>
+          </a:stretch>
+        </p:blipFill>
+        <p:spPr>
+          <a:xfrm>
+            <a:off x="-23813" y="2713036"/>
+            <a:ext cx="3352802" cy="2339977"/>
+          </a:xfrm>
+          <a:prstGeom prst="rect">
+            <a:avLst/>
+          </a:prstGeom>
+          <a:ln w="12700">
+            <a:miter lim="400000"/>
+          </a:ln>
+        </p:spPr>
+      </p:pic>
+      <p:pic>
+        <p:nvPicPr>
+          <p:cNvPr id="206" name="pgp.jpg" descr="pgp.jpg"/>
+          <p:cNvPicPr>
+            <a:picLocks noChangeAspect="1"/>
+          </p:cNvPicPr>
+          <p:nvPr/>
+        </p:nvPicPr>
+        <p:blipFill>
+          <a:blip r:embed="rId3"/>
+          <a:stretch>
+            <a:fillRect/>
+          </a:stretch>
+        </p:blipFill>
+        <p:spPr>
+          <a:xfrm>
+            <a:off x="1915967" y="0"/>
+            <a:ext cx="6734466" cy="5715000"/>
+          </a:xfrm>
+          <a:prstGeom prst="rect">
+            <a:avLst/>
+          </a:prstGeom>
+          <a:ln w="12700">
+            <a:miter lim="400000"/>
+          </a:ln>
+        </p:spPr>
+      </p:pic>
+    </p:spTree>
+  </p:cSld>
+  <p:clrMapOvr>
+    <a:masterClrMapping/>
+  </p:clrMapOvr>
+  <p:transition spd="med"/>
+</p:sld>
+</file>
+
+<file path=ppt/slides/slide25.xml><?xml version="1.0" encoding="utf-8"?>
 <p:sld xmlns:a="http://schemas.openxmlformats.org/drawingml/2006/main" xmlns:r="http://schemas.openxmlformats.org/officeDocument/2006/relationships" xmlns:p="http://schemas.openxmlformats.org/presentationml/2006/main">
   <p:cSld>
     <p:spTree>
@@ -6279,21 +7380,6 @@
                   <a:srgbClr val="000000"/>
                 </a:solidFill>
               </a:rPr>
-            </a:br>
-            <a:r>
-              <a:rPr sz="1900" b="0" dirty="0"/>
-              <a:t>http://</a:t>
-            </a:r>
-            <a:r>
-              <a:rPr sz="1900" b="0" dirty="0" err="1"/>
-              <a:t>asecuritysite.com</a:t>
-            </a:r>
-            <a:r>
-              <a:rPr sz="1900" b="0" dirty="0"/>
-              <a:t>/crypto04</a:t>
-            </a:r>
-            <a:br>
-              <a:rPr sz="1900" b="0" dirty="0"/>
             </a:br>
             <a:r>
               <a:rPr sz="1900" b="0" dirty="0"/>
@@ -7098,7 +8184,7 @@
         <p:dissolve/>
       </p:transition>
     </mc:Choice>
-    <mc:Fallback xmlns:a14="http://schemas.microsoft.com/office/drawing/2010/main" xmlns:m="http://schemas.openxmlformats.org/officeDocument/2006/math" xmlns="">
+    <mc:Fallback xmlns="" xmlns:m="http://schemas.openxmlformats.org/officeDocument/2006/math" xmlns:a14="http://schemas.microsoft.com/office/drawing/2010/main">
       <p:transition spd="med">
         <p:fade/>
       </p:transition>
@@ -7223,7 +8309,7 @@
         <p:dissolve/>
       </p:transition>
     </mc:Choice>
-    <mc:Fallback xmlns:a14="http://schemas.microsoft.com/office/drawing/2010/main" xmlns:m="http://schemas.openxmlformats.org/officeDocument/2006/math" xmlns="">
+    <mc:Fallback xmlns="" xmlns:m="http://schemas.openxmlformats.org/officeDocument/2006/math" xmlns:a14="http://schemas.microsoft.com/office/drawing/2010/main">
       <p:transition spd="med">
         <p:fade/>
       </p:transition>
@@ -7808,7 +8894,7 @@
             <a:effectLst/>
             <a:extLst>
               <a:ext uri="{C572A759-6A51-4108-AA02-DFA0A04FC94B}">
-                <ma14:wrappingTextBoxFlag xmlns:ma14="http://schemas.microsoft.com/office/mac/drawingml/2011/main" xmlns:a14="http://schemas.microsoft.com/office/drawing/2010/main" xmlns:m="http://schemas.openxmlformats.org/officeDocument/2006/math" xmlns="" val="1"/>
+                <ma14:wrappingTextBoxFlag xmlns="" xmlns:m="http://schemas.openxmlformats.org/officeDocument/2006/math" xmlns:a14="http://schemas.microsoft.com/office/drawing/2010/main" xmlns:ma14="http://schemas.microsoft.com/office/mac/drawingml/2011/main" val="1"/>
               </a:ext>
             </a:extLst>
           </p:spPr>
@@ -7922,7 +9008,7 @@
             <a:effectLst/>
             <a:extLst>
               <a:ext uri="{C572A759-6A51-4108-AA02-DFA0A04FC94B}">
-                <ma14:wrappingTextBoxFlag xmlns:ma14="http://schemas.microsoft.com/office/mac/drawingml/2011/main" xmlns:a14="http://schemas.microsoft.com/office/drawing/2010/main" xmlns:m="http://schemas.openxmlformats.org/officeDocument/2006/math" xmlns="" val="1"/>
+                <ma14:wrappingTextBoxFlag xmlns="" xmlns:m="http://schemas.openxmlformats.org/officeDocument/2006/math" xmlns:a14="http://schemas.microsoft.com/office/drawing/2010/main" xmlns:ma14="http://schemas.microsoft.com/office/mac/drawingml/2011/main" val="1"/>
               </a:ext>
             </a:extLst>
           </p:spPr>
